--- a/files/teaching-resources/monmouthcollege-econ-301/econ-301-s2024-lecture-note/ECON301-S2024-LEC01.pptx
+++ b/files/teaching-resources/monmouthcollege-econ-301/econ-301-s2024-lecture-note/ECON301-S2024-LEC01.pptx
@@ -260,7 +260,7 @@
           <a:p>
             <a:fld id="{0E0A6441-4E79-42FF-805B-86C90BDFD38D}" type="datetimeFigureOut">
               <a:rPr lang="en-US" smtClean="0"/>
-              <a:t>1/19/2024</a:t>
+              <a:t>1/22/2024</a:t>
             </a:fld>
             <a:endParaRPr lang="en-US" dirty="0"/>
           </a:p>
@@ -14236,7 +14236,7 @@
           <a:p>
             <a:r>
               <a:rPr lang="en-US" dirty="0"/>
-              <a:t>Nominal GDP is the total value of production determined using market prices from a specific base year.</a:t>
+              <a:t>Real GDP is the total value of production determined using market prices from a specific base year.</a:t>
             </a:r>
           </a:p>
         </p:txBody>
@@ -17362,8 +17362,8 @@
           </a:p>
         </p:txBody>
       </p:sp>
-      <mc:AlternateContent xmlns:mc="http://schemas.openxmlformats.org/markup-compatibility/2006" xmlns:a14="http://schemas.microsoft.com/office/drawing/2010/main">
-        <mc:Choice Requires="a14">
+      <mc:AlternateContent xmlns:mc="http://schemas.openxmlformats.org/markup-compatibility/2006">
+        <mc:Choice xmlns:a14="http://schemas.microsoft.com/office/drawing/2010/main" Requires="a14">
           <p:sp>
             <p:nvSpPr>
               <p:cNvPr id="15" name="Content Placeholder 14">
@@ -17382,12 +17382,124 @@
             </p:nvSpPr>
             <p:spPr/>
             <p:txBody>
-              <a:bodyPr/>
+              <a:bodyPr>
+                <a:normAutofit/>
+              </a:bodyPr>
               <a:lstStyle/>
               <a:p>
                 <a:r>
                   <a:rPr lang="en-US" dirty="0"/>
-                  <a:t>Real GDP is calculated using the base year’s prices and current year’s production:</a:t>
+                  <a:t>Nominal GDP is calculated using the target year’s prices and target year’s production:</a:t>
+                </a:r>
+              </a:p>
+              <a:p>
+                <a:endParaRPr lang="en-US" sz="500" dirty="0"/>
+              </a:p>
+              <a:p>
+                <a:pPr marL="0" indent="0">
+                  <a:buNone/>
+                </a:pPr>
+                <a14:m>
+                  <m:oMathPara xmlns:m="http://schemas.openxmlformats.org/officeDocument/2006/math">
+                    <m:oMathParaPr>
+                      <m:jc m:val="centerGroup"/>
+                    </m:oMathParaPr>
+                    <m:oMath xmlns:m="http://schemas.openxmlformats.org/officeDocument/2006/math">
+                      <m:r>
+                        <a:rPr lang="en-US" b="0" i="1" smtClean="0">
+                          <a:latin typeface="Cambria Math" panose="02040503050406030204" pitchFamily="18" charset="0"/>
+                        </a:rPr>
+                        <m:t>𝑁𝑜𝑚𝑖𝑛𝑎𝑙</m:t>
+                      </m:r>
+                      <m:r>
+                        <a:rPr lang="en-US" i="1">
+                          <a:latin typeface="Cambria Math" panose="02040503050406030204" pitchFamily="18" charset="0"/>
+                        </a:rPr>
+                        <m:t> </m:t>
+                      </m:r>
+                      <m:r>
+                        <a:rPr lang="en-US" i="1">
+                          <a:latin typeface="Cambria Math" panose="02040503050406030204" pitchFamily="18" charset="0"/>
+                        </a:rPr>
+                        <m:t>𝐺𝐷𝑃</m:t>
+                      </m:r>
+                      <m:r>
+                        <a:rPr lang="en-US" i="1">
+                          <a:latin typeface="Cambria Math" panose="02040503050406030204" pitchFamily="18" charset="0"/>
+                        </a:rPr>
+                        <m:t>=</m:t>
+                      </m:r>
+                      <m:sSub>
+                        <m:sSubPr>
+                          <m:ctrlPr>
+                            <a:rPr lang="en-US" i="1">
+                              <a:latin typeface="Cambria Math" panose="02040503050406030204" pitchFamily="18" charset="0"/>
+                            </a:rPr>
+                          </m:ctrlPr>
+                        </m:sSubPr>
+                        <m:e>
+                          <m:r>
+                            <a:rPr lang="en-US" i="1">
+                              <a:latin typeface="Cambria Math" panose="02040503050406030204" pitchFamily="18" charset="0"/>
+                            </a:rPr>
+                            <m:t>𝑃</m:t>
+                          </m:r>
+                        </m:e>
+                        <m:sub>
+                          <m:r>
+                            <a:rPr lang="en-US" b="0" i="1" smtClean="0">
+                              <a:latin typeface="Cambria Math" panose="02040503050406030204" pitchFamily="18" charset="0"/>
+                            </a:rPr>
+                            <m:t>2023</m:t>
+                          </m:r>
+                        </m:sub>
+                      </m:sSub>
+                      <m:r>
+                        <a:rPr lang="en-US" i="1">
+                          <a:latin typeface="Cambria Math" panose="02040503050406030204" pitchFamily="18" charset="0"/>
+                        </a:rPr>
+                        <m:t>×</m:t>
+                      </m:r>
+                      <m:sSub>
+                        <m:sSubPr>
+                          <m:ctrlPr>
+                            <a:rPr lang="en-US" i="1">
+                              <a:latin typeface="Cambria Math" panose="02040503050406030204" pitchFamily="18" charset="0"/>
+                            </a:rPr>
+                          </m:ctrlPr>
+                        </m:sSubPr>
+                        <m:e>
+                          <m:r>
+                            <a:rPr lang="en-US" i="1">
+                              <a:latin typeface="Cambria Math" panose="02040503050406030204" pitchFamily="18" charset="0"/>
+                            </a:rPr>
+                            <m:t>𝑄</m:t>
+                          </m:r>
+                        </m:e>
+                        <m:sub>
+                          <m:r>
+                            <a:rPr lang="en-US" i="1">
+                              <a:latin typeface="Cambria Math" panose="02040503050406030204" pitchFamily="18" charset="0"/>
+                            </a:rPr>
+                            <m:t>2023</m:t>
+                          </m:r>
+                        </m:sub>
+                      </m:sSub>
+                    </m:oMath>
+                  </m:oMathPara>
+                </a14:m>
+                <a:endParaRPr lang="en-US" dirty="0"/>
+              </a:p>
+              <a:p>
+                <a:pPr marL="0" indent="0">
+                  <a:buNone/>
+                </a:pPr>
+                <a:endParaRPr lang="en-US" sz="1600" dirty="0"/>
+              </a:p>
+              <a:p>
+                <a:r>
+                  <a:rPr lang="en-US" dirty="0"/>
+                  <a:t>Real GDP is calculated using the base year’s prices and target year’s production:</a:t>
                 </a:r>
               </a:p>
               <a:p>
@@ -17547,7 +17659,7 @@
             </p:txBody>
           </p:sp>
         </mc:Choice>
-        <mc:Fallback xmlns="">
+        <mc:Fallback>
           <p:sp>
             <p:nvSpPr>
               <p:cNvPr id="15" name="Content Placeholder 14">
@@ -17663,33 +17775,15 @@
                                   </p:childTnLst>
                                 </p:cTn>
                               </p:par>
-                            </p:childTnLst>
-                          </p:cTn>
-                        </p:par>
-                      </p:childTnLst>
-                    </p:cTn>
-                  </p:par>
-                  <p:par>
-                    <p:cTn id="8" fill="hold">
-                      <p:stCondLst>
-                        <p:cond delay="indefinite"/>
-                      </p:stCondLst>
-                      <p:childTnLst>
-                        <p:par>
-                          <p:cTn id="9" fill="hold">
-                            <p:stCondLst>
-                              <p:cond delay="0"/>
-                            </p:stCondLst>
-                            <p:childTnLst>
                               <p:par>
-                                <p:cTn id="10" presetID="10" presetClass="entr" presetSubtype="0" fill="hold" nodeType="clickEffect">
+                                <p:cTn id="8" presetID="10" presetClass="entr" presetSubtype="0" fill="hold" nodeType="withEffect">
                                   <p:stCondLst>
                                     <p:cond delay="0"/>
                                   </p:stCondLst>
                                   <p:childTnLst>
                                     <p:set>
                                       <p:cBhvr>
-                                        <p:cTn id="11" dur="1" fill="hold">
+                                        <p:cTn id="9" dur="1" fill="hold">
                                           <p:stCondLst>
                                             <p:cond delay="0"/>
                                           </p:stCondLst>
@@ -17711,7 +17805,7 @@
                                     </p:set>
                                     <p:animEffect transition="in" filter="fade">
                                       <p:cBhvr>
-                                        <p:cTn id="12" dur="500"/>
+                                        <p:cTn id="10" dur="500"/>
                                         <p:tgtEl>
                                           <p:spTgt spid="15">
                                             <p:txEl>
@@ -17724,33 +17818,15 @@
                                   </p:childTnLst>
                                 </p:cTn>
                               </p:par>
-                            </p:childTnLst>
-                          </p:cTn>
-                        </p:par>
-                      </p:childTnLst>
-                    </p:cTn>
-                  </p:par>
-                  <p:par>
-                    <p:cTn id="13" fill="hold">
-                      <p:stCondLst>
-                        <p:cond delay="indefinite"/>
-                      </p:stCondLst>
-                      <p:childTnLst>
-                        <p:par>
-                          <p:cTn id="14" fill="hold">
-                            <p:stCondLst>
-                              <p:cond delay="0"/>
-                            </p:stCondLst>
-                            <p:childTnLst>
                               <p:par>
-                                <p:cTn id="15" presetID="10" presetClass="entr" presetSubtype="0" fill="hold" nodeType="clickEffect">
+                                <p:cTn id="11" presetID="10" presetClass="entr" presetSubtype="0" fill="hold" nodeType="withEffect">
                                   <p:stCondLst>
                                     <p:cond delay="0"/>
                                   </p:stCondLst>
                                   <p:childTnLst>
                                     <p:set>
                                       <p:cBhvr>
-                                        <p:cTn id="16" dur="1" fill="hold">
+                                        <p:cTn id="12" dur="1" fill="hold">
                                           <p:stCondLst>
                                             <p:cond delay="0"/>
                                           </p:stCondLst>
@@ -17772,7 +17848,7 @@
                                     </p:set>
                                     <p:animEffect transition="in" filter="fade">
                                       <p:cBhvr>
-                                        <p:cTn id="17" dur="500"/>
+                                        <p:cTn id="13" dur="500"/>
                                         <p:tgtEl>
                                           <p:spTgt spid="15">
                                             <p:txEl>
@@ -17785,32 +17861,100 @@
                                   </p:childTnLst>
                                 </p:cTn>
                               </p:par>
-                            </p:childTnLst>
-                          </p:cTn>
-                        </p:par>
-                      </p:childTnLst>
-                    </p:cTn>
-                  </p:par>
-                  <p:par>
-                    <p:cTn id="18" fill="hold">
-                      <p:stCondLst>
-                        <p:cond delay="indefinite"/>
-                      </p:stCondLst>
-                      <p:childTnLst>
-                        <p:par>
-                          <p:cTn id="19" fill="hold">
-                            <p:stCondLst>
-                              <p:cond delay="0"/>
-                            </p:stCondLst>
-                            <p:childTnLst>
                               <p:par>
-                                <p:cTn id="20" presetID="10" presetClass="entr" presetSubtype="0" fill="hold" nodeType="clickEffect">
+                                <p:cTn id="14" presetID="10" presetClass="entr" presetSubtype="0" fill="hold" nodeType="withEffect">
                                   <p:stCondLst>
                                     <p:cond delay="0"/>
                                   </p:stCondLst>
                                   <p:childTnLst>
                                     <p:set>
                                       <p:cBhvr>
+                                        <p:cTn id="15" dur="1" fill="hold">
+                                          <p:stCondLst>
+                                            <p:cond delay="0"/>
+                                          </p:stCondLst>
+                                        </p:cTn>
+                                        <p:tgtEl>
+                                          <p:spTgt spid="15">
+                                            <p:txEl>
+                                              <p:pRg st="6" end="6"/>
+                                            </p:txEl>
+                                          </p:spTgt>
+                                        </p:tgtEl>
+                                        <p:attrNameLst>
+                                          <p:attrName>style.visibility</p:attrName>
+                                        </p:attrNameLst>
+                                      </p:cBhvr>
+                                      <p:to>
+                                        <p:strVal val="visible"/>
+                                      </p:to>
+                                    </p:set>
+                                    <p:animEffect transition="in" filter="fade">
+                                      <p:cBhvr>
+                                        <p:cTn id="16" dur="500"/>
+                                        <p:tgtEl>
+                                          <p:spTgt spid="15">
+                                            <p:txEl>
+                                              <p:pRg st="6" end="6"/>
+                                            </p:txEl>
+                                          </p:spTgt>
+                                        </p:tgtEl>
+                                      </p:cBhvr>
+                                    </p:animEffect>
+                                  </p:childTnLst>
+                                </p:cTn>
+                              </p:par>
+                              <p:par>
+                                <p:cTn id="17" presetID="10" presetClass="entr" presetSubtype="0" fill="hold" nodeType="withEffect">
+                                  <p:stCondLst>
+                                    <p:cond delay="0"/>
+                                  </p:stCondLst>
+                                  <p:childTnLst>
+                                    <p:set>
+                                      <p:cBhvr>
+                                        <p:cTn id="18" dur="1" fill="hold">
+                                          <p:stCondLst>
+                                            <p:cond delay="0"/>
+                                          </p:stCondLst>
+                                        </p:cTn>
+                                        <p:tgtEl>
+                                          <p:spTgt spid="15">
+                                            <p:txEl>
+                                              <p:pRg st="8" end="8"/>
+                                            </p:txEl>
+                                          </p:spTgt>
+                                        </p:tgtEl>
+                                        <p:attrNameLst>
+                                          <p:attrName>style.visibility</p:attrName>
+                                        </p:attrNameLst>
+                                      </p:cBhvr>
+                                      <p:to>
+                                        <p:strVal val="visible"/>
+                                      </p:to>
+                                    </p:set>
+                                    <p:animEffect transition="in" filter="fade">
+                                      <p:cBhvr>
+                                        <p:cTn id="19" dur="500"/>
+                                        <p:tgtEl>
+                                          <p:spTgt spid="15">
+                                            <p:txEl>
+                                              <p:pRg st="8" end="8"/>
+                                            </p:txEl>
+                                          </p:spTgt>
+                                        </p:tgtEl>
+                                      </p:cBhvr>
+                                    </p:animEffect>
+                                  </p:childTnLst>
+                                </p:cTn>
+                              </p:par>
+                              <p:par>
+                                <p:cTn id="20" presetID="10" presetClass="entr" presetSubtype="0" fill="hold" nodeType="withEffect">
+                                  <p:stCondLst>
+                                    <p:cond delay="0"/>
+                                  </p:stCondLst>
+                                  <p:childTnLst>
+                                    <p:set>
+                                      <p:cBhvr>
                                         <p:cTn id="21" dur="1" fill="hold">
                                           <p:stCondLst>
                                             <p:cond delay="0"/>
@@ -17819,7 +17963,7 @@
                                         <p:tgtEl>
                                           <p:spTgt spid="15">
                                             <p:txEl>
-                                              <p:pRg st="6" end="6"/>
+                                              <p:pRg st="10" end="10"/>
                                             </p:txEl>
                                           </p:spTgt>
                                         </p:tgtEl>
@@ -17837,7 +17981,7 @@
                                         <p:tgtEl>
                                           <p:spTgt spid="15">
                                             <p:txEl>
-                                              <p:pRg st="6" end="6"/>
+                                              <p:pRg st="10" end="10"/>
                                             </p:txEl>
                                           </p:spTgt>
                                         </p:tgtEl>

--- a/files/teaching-resources/monmouthcollege-econ-301/econ-301-s2024-lecture-note/ECON301-S2024-LEC01.pptx
+++ b/files/teaching-resources/monmouthcollege-econ-301/econ-301-s2024-lecture-note/ECON301-S2024-LEC01.pptx
@@ -5,7 +5,7 @@
     <p:sldMasterId id="2147483720" r:id="rId1"/>
   </p:sldMasterIdLst>
   <p:notesMasterIdLst>
-    <p:notesMasterId r:id="rId66"/>
+    <p:notesMasterId r:id="rId65"/>
   </p:notesMasterIdLst>
   <p:sldIdLst>
     <p:sldId id="256" r:id="rId2"/>
@@ -71,7 +71,6 @@
     <p:sldId id="322" r:id="rId62"/>
     <p:sldId id="323" r:id="rId63"/>
     <p:sldId id="324" r:id="rId64"/>
-    <p:sldId id="325" r:id="rId65"/>
   </p:sldIdLst>
   <p:sldSz cx="9144000" cy="6858000" type="screen4x3"/>
   <p:notesSz cx="6858000" cy="9144000"/>
@@ -260,7 +259,7 @@
           <a:p>
             <a:fld id="{0E0A6441-4E79-42FF-805B-86C90BDFD38D}" type="datetimeFigureOut">
               <a:rPr lang="en-US" smtClean="0"/>
-              <a:t>1/22/2024</a:t>
+              <a:t>1/26/2024</a:t>
             </a:fld>
             <a:endParaRPr lang="en-US" dirty="0"/>
           </a:p>
@@ -17362,8 +17361,8 @@
           </a:p>
         </p:txBody>
       </p:sp>
-      <mc:AlternateContent xmlns:mc="http://schemas.openxmlformats.org/markup-compatibility/2006">
-        <mc:Choice xmlns:a14="http://schemas.microsoft.com/office/drawing/2010/main" Requires="a14">
+      <mc:AlternateContent xmlns:mc="http://schemas.openxmlformats.org/markup-compatibility/2006" xmlns:a14="http://schemas.microsoft.com/office/drawing/2010/main">
+        <mc:Choice Requires="a14">
           <p:sp>
             <p:nvSpPr>
               <p:cNvPr id="15" name="Content Placeholder 14">
@@ -17659,7 +17658,7 @@
             </p:txBody>
           </p:sp>
         </mc:Choice>
-        <mc:Fallback>
+        <mc:Fallback xmlns="">
           <p:sp>
             <p:nvSpPr>
               <p:cNvPr id="15" name="Content Placeholder 14">
@@ -21845,12 +21844,37 @@
                         </a:rPr>
                         <m:t>×100 </m:t>
                       </m:r>
+                    </m:oMath>
+                  </m:oMathPara>
+                </a14:m>
+                <a:endParaRPr lang="en-US" b="0" i="1" dirty="0">
+                  <a:latin typeface="Cambria Math" panose="02040503050406030204" pitchFamily="18" charset="0"/>
+                </a:endParaRPr>
+              </a:p>
+              <a:p>
+                <a:pPr marL="0" indent="0">
+                  <a:buNone/>
+                </a:pPr>
+                <a:endParaRPr lang="en-US" b="0" i="1" dirty="0">
+                  <a:latin typeface="Cambria Math" panose="02040503050406030204" pitchFamily="18" charset="0"/>
+                </a:endParaRPr>
+              </a:p>
+              <a:p>
+                <a:pPr marL="0" indent="0">
+                  <a:buNone/>
+                </a:pPr>
+                <a14:m>
+                  <m:oMathPara xmlns:m="http://schemas.openxmlformats.org/officeDocument/2006/math">
+                    <m:oMathParaPr>
+                      <m:jc m:val="centerGroup"/>
+                    </m:oMathParaPr>
+                    <m:oMath xmlns:m="http://schemas.openxmlformats.org/officeDocument/2006/math">
                       <m:r>
                         <a:rPr lang="en-US" b="0" i="1" smtClean="0">
                           <a:latin typeface="Cambria Math" panose="02040503050406030204" pitchFamily="18" charset="0"/>
                           <a:ea typeface="Cambria Math" panose="02040503050406030204" pitchFamily="18" charset="0"/>
                         </a:rPr>
-                        <m:t>⟹</m:t>
+                        <m:t>⟹ </m:t>
                       </m:r>
                       <m:r>
                         <a:rPr lang="en-US" b="0" i="1" smtClean="0">
@@ -22109,33 +22133,15 @@
                                   </p:childTnLst>
                                 </p:cTn>
                               </p:par>
-                            </p:childTnLst>
-                          </p:cTn>
-                        </p:par>
-                      </p:childTnLst>
-                    </p:cTn>
-                  </p:par>
-                  <p:par>
-                    <p:cTn id="8" fill="hold">
-                      <p:stCondLst>
-                        <p:cond delay="indefinite"/>
-                      </p:stCondLst>
-                      <p:childTnLst>
-                        <p:par>
-                          <p:cTn id="9" fill="hold">
-                            <p:stCondLst>
-                              <p:cond delay="0"/>
-                            </p:stCondLst>
-                            <p:childTnLst>
                               <p:par>
-                                <p:cTn id="10" presetID="10" presetClass="entr" presetSubtype="0" fill="hold" nodeType="clickEffect">
+                                <p:cTn id="8" presetID="10" presetClass="entr" presetSubtype="0" fill="hold" nodeType="withEffect">
                                   <p:stCondLst>
                                     <p:cond delay="0"/>
                                   </p:stCondLst>
                                   <p:childTnLst>
                                     <p:set>
                                       <p:cBhvr>
-                                        <p:cTn id="11" dur="1" fill="hold">
+                                        <p:cTn id="9" dur="1" fill="hold">
                                           <p:stCondLst>
                                             <p:cond delay="0"/>
                                           </p:stCondLst>
@@ -22157,7 +22163,7 @@
                                     </p:set>
                                     <p:animEffect transition="in" filter="fade">
                                       <p:cBhvr>
-                                        <p:cTn id="12" dur="500"/>
+                                        <p:cTn id="10" dur="500"/>
                                         <p:tgtEl>
                                           <p:spTgt spid="15">
                                             <p:txEl>
@@ -22170,33 +22176,15 @@
                                   </p:childTnLst>
                                 </p:cTn>
                               </p:par>
-                            </p:childTnLst>
-                          </p:cTn>
-                        </p:par>
-                      </p:childTnLst>
-                    </p:cTn>
-                  </p:par>
-                  <p:par>
-                    <p:cTn id="13" fill="hold">
-                      <p:stCondLst>
-                        <p:cond delay="indefinite"/>
-                      </p:stCondLst>
-                      <p:childTnLst>
-                        <p:par>
-                          <p:cTn id="14" fill="hold">
-                            <p:stCondLst>
-                              <p:cond delay="0"/>
-                            </p:stCondLst>
-                            <p:childTnLst>
                               <p:par>
-                                <p:cTn id="15" presetID="10" presetClass="entr" presetSubtype="0" fill="hold" nodeType="clickEffect">
+                                <p:cTn id="11" presetID="10" presetClass="entr" presetSubtype="0" fill="hold" nodeType="withEffect">
                                   <p:stCondLst>
                                     <p:cond delay="0"/>
                                   </p:stCondLst>
                                   <p:childTnLst>
                                     <p:set>
                                       <p:cBhvr>
-                                        <p:cTn id="16" dur="1" fill="hold">
+                                        <p:cTn id="12" dur="1" fill="hold">
                                           <p:stCondLst>
                                             <p:cond delay="0"/>
                                           </p:stCondLst>
@@ -22218,7 +22206,7 @@
                                     </p:set>
                                     <p:animEffect transition="in" filter="fade">
                                       <p:cBhvr>
-                                        <p:cTn id="17" dur="500"/>
+                                        <p:cTn id="13" dur="500"/>
                                         <p:tgtEl>
                                           <p:spTgt spid="15">
                                             <p:txEl>
@@ -22231,33 +22219,15 @@
                                   </p:childTnLst>
                                 </p:cTn>
                               </p:par>
-                            </p:childTnLst>
-                          </p:cTn>
-                        </p:par>
-                      </p:childTnLst>
-                    </p:cTn>
-                  </p:par>
-                  <p:par>
-                    <p:cTn id="18" fill="hold">
-                      <p:stCondLst>
-                        <p:cond delay="indefinite"/>
-                      </p:stCondLst>
-                      <p:childTnLst>
-                        <p:par>
-                          <p:cTn id="19" fill="hold">
-                            <p:stCondLst>
-                              <p:cond delay="0"/>
-                            </p:stCondLst>
-                            <p:childTnLst>
                               <p:par>
-                                <p:cTn id="20" presetID="10" presetClass="entr" presetSubtype="0" fill="hold" nodeType="clickEffect">
+                                <p:cTn id="14" presetID="10" presetClass="entr" presetSubtype="0" fill="hold" nodeType="withEffect">
                                   <p:stCondLst>
                                     <p:cond delay="0"/>
                                   </p:stCondLst>
                                   <p:childTnLst>
                                     <p:set>
                                       <p:cBhvr>
-                                        <p:cTn id="21" dur="1" fill="hold">
+                                        <p:cTn id="15" dur="1" fill="hold">
                                           <p:stCondLst>
                                             <p:cond delay="0"/>
                                           </p:stCondLst>
@@ -22279,11 +22249,54 @@
                                     </p:set>
                                     <p:animEffect transition="in" filter="fade">
                                       <p:cBhvr>
-                                        <p:cTn id="22" dur="500"/>
+                                        <p:cTn id="16" dur="500"/>
                                         <p:tgtEl>
                                           <p:spTgt spid="15">
                                             <p:txEl>
                                               <p:pRg st="6" end="6"/>
+                                            </p:txEl>
+                                          </p:spTgt>
+                                        </p:tgtEl>
+                                      </p:cBhvr>
+                                    </p:animEffect>
+                                  </p:childTnLst>
+                                </p:cTn>
+                              </p:par>
+                              <p:par>
+                                <p:cTn id="17" presetID="10" presetClass="entr" presetSubtype="0" fill="hold" nodeType="withEffect">
+                                  <p:stCondLst>
+                                    <p:cond delay="0"/>
+                                  </p:stCondLst>
+                                  <p:childTnLst>
+                                    <p:set>
+                                      <p:cBhvr>
+                                        <p:cTn id="18" dur="1" fill="hold">
+                                          <p:stCondLst>
+                                            <p:cond delay="0"/>
+                                          </p:stCondLst>
+                                        </p:cTn>
+                                        <p:tgtEl>
+                                          <p:spTgt spid="15">
+                                            <p:txEl>
+                                              <p:pRg st="8" end="8"/>
+                                            </p:txEl>
+                                          </p:spTgt>
+                                        </p:tgtEl>
+                                        <p:attrNameLst>
+                                          <p:attrName>style.visibility</p:attrName>
+                                        </p:attrNameLst>
+                                      </p:cBhvr>
+                                      <p:to>
+                                        <p:strVal val="visible"/>
+                                      </p:to>
+                                    </p:set>
+                                    <p:animEffect transition="in" filter="fade">
+                                      <p:cBhvr>
+                                        <p:cTn id="19" dur="500"/>
+                                        <p:tgtEl>
+                                          <p:spTgt spid="15">
+                                            <p:txEl>
+                                              <p:pRg st="8" end="8"/>
                                             </p:txEl>
                                           </p:spTgt>
                                         </p:tgtEl>
@@ -34473,8 +34486,8 @@
           </a:p>
         </p:txBody>
       </p:sp>
-      <mc:AlternateContent xmlns:mc="http://schemas.openxmlformats.org/markup-compatibility/2006" xmlns:a14="http://schemas.microsoft.com/office/drawing/2010/main">
-        <mc:Choice Requires="a14">
+      <mc:AlternateContent xmlns:mc="http://schemas.openxmlformats.org/markup-compatibility/2006">
+        <mc:Choice xmlns:a14="http://schemas.microsoft.com/office/drawing/2010/main" Requires="a14">
           <p:sp>
             <p:nvSpPr>
               <p:cNvPr id="15" name="Content Placeholder 14">
@@ -34542,7 +34555,7 @@
                         <a:rPr lang="en-US" b="0" i="1" smtClean="0">
                           <a:latin typeface="Cambria Math" panose="02040503050406030204" pitchFamily="18" charset="0"/>
                         </a:rPr>
-                        <m:t>𝐸</m:t>
+                        <m:t>𝑁</m:t>
                       </m:r>
                       <m:r>
                         <a:rPr lang="en-US" b="0" i="1" smtClean="0">
@@ -34668,7 +34681,7 @@
             </p:txBody>
           </p:sp>
         </mc:Choice>
-        <mc:Fallback xmlns="">
+        <mc:Fallback>
           <p:sp>
             <p:nvSpPr>
               <p:cNvPr id="15" name="Content Placeholder 14">
@@ -34784,33 +34797,15 @@
                                   </p:childTnLst>
                                 </p:cTn>
                               </p:par>
-                            </p:childTnLst>
-                          </p:cTn>
-                        </p:par>
-                      </p:childTnLst>
-                    </p:cTn>
-                  </p:par>
-                  <p:par>
-                    <p:cTn id="8" fill="hold">
-                      <p:stCondLst>
-                        <p:cond delay="indefinite"/>
-                      </p:stCondLst>
-                      <p:childTnLst>
-                        <p:par>
-                          <p:cTn id="9" fill="hold">
-                            <p:stCondLst>
-                              <p:cond delay="0"/>
-                            </p:stCondLst>
-                            <p:childTnLst>
                               <p:par>
-                                <p:cTn id="10" presetID="10" presetClass="entr" presetSubtype="0" fill="hold" nodeType="clickEffect">
+                                <p:cTn id="8" presetID="10" presetClass="entr" presetSubtype="0" fill="hold" nodeType="withEffect">
                                   <p:stCondLst>
                                     <p:cond delay="0"/>
                                   </p:stCondLst>
                                   <p:childTnLst>
                                     <p:set>
                                       <p:cBhvr>
-                                        <p:cTn id="11" dur="1" fill="hold">
+                                        <p:cTn id="9" dur="1" fill="hold">
                                           <p:stCondLst>
                                             <p:cond delay="0"/>
                                           </p:stCondLst>
@@ -34832,7 +34827,7 @@
                                     </p:set>
                                     <p:animEffect transition="in" filter="fade">
                                       <p:cBhvr>
-                                        <p:cTn id="12" dur="500"/>
+                                        <p:cTn id="10" dur="500"/>
                                         <p:tgtEl>
                                           <p:spTgt spid="15">
                                             <p:txEl>
@@ -34845,33 +34840,15 @@
                                   </p:childTnLst>
                                 </p:cTn>
                               </p:par>
-                            </p:childTnLst>
-                          </p:cTn>
-                        </p:par>
-                      </p:childTnLst>
-                    </p:cTn>
-                  </p:par>
-                  <p:par>
-                    <p:cTn id="13" fill="hold">
-                      <p:stCondLst>
-                        <p:cond delay="indefinite"/>
-                      </p:stCondLst>
-                      <p:childTnLst>
-                        <p:par>
-                          <p:cTn id="14" fill="hold">
-                            <p:stCondLst>
-                              <p:cond delay="0"/>
-                            </p:stCondLst>
-                            <p:childTnLst>
                               <p:par>
-                                <p:cTn id="15" presetID="10" presetClass="entr" presetSubtype="0" fill="hold" nodeType="clickEffect">
+                                <p:cTn id="11" presetID="10" presetClass="entr" presetSubtype="0" fill="hold" nodeType="withEffect">
                                   <p:stCondLst>
                                     <p:cond delay="0"/>
                                   </p:stCondLst>
                                   <p:childTnLst>
                                     <p:set>
                                       <p:cBhvr>
-                                        <p:cTn id="16" dur="1" fill="hold">
+                                        <p:cTn id="12" dur="1" fill="hold">
                                           <p:stCondLst>
                                             <p:cond delay="0"/>
                                           </p:stCondLst>
@@ -34893,7 +34870,7 @@
                                     </p:set>
                                     <p:animEffect transition="in" filter="fade">
                                       <p:cBhvr>
-                                        <p:cTn id="17" dur="500"/>
+                                        <p:cTn id="13" dur="500"/>
                                         <p:tgtEl>
                                           <p:spTgt spid="15">
                                             <p:txEl>
@@ -34906,33 +34883,15 @@
                                   </p:childTnLst>
                                 </p:cTn>
                               </p:par>
-                            </p:childTnLst>
-                          </p:cTn>
-                        </p:par>
-                      </p:childTnLst>
-                    </p:cTn>
-                  </p:par>
-                  <p:par>
-                    <p:cTn id="18" fill="hold">
-                      <p:stCondLst>
-                        <p:cond delay="indefinite"/>
-                      </p:stCondLst>
-                      <p:childTnLst>
-                        <p:par>
-                          <p:cTn id="19" fill="hold">
-                            <p:stCondLst>
-                              <p:cond delay="0"/>
-                            </p:stCondLst>
-                            <p:childTnLst>
                               <p:par>
-                                <p:cTn id="20" presetID="10" presetClass="entr" presetSubtype="0" fill="hold" nodeType="clickEffect">
+                                <p:cTn id="14" presetID="10" presetClass="entr" presetSubtype="0" fill="hold" nodeType="withEffect">
                                   <p:stCondLst>
                                     <p:cond delay="0"/>
                                   </p:stCondLst>
                                   <p:childTnLst>
                                     <p:set>
                                       <p:cBhvr>
-                                        <p:cTn id="21" dur="1" fill="hold">
+                                        <p:cTn id="15" dur="1" fill="hold">
                                           <p:stCondLst>
                                             <p:cond delay="0"/>
                                           </p:stCondLst>
@@ -34954,7 +34913,7 @@
                                     </p:set>
                                     <p:animEffect transition="in" filter="fade">
                                       <p:cBhvr>
-                                        <p:cTn id="22" dur="500"/>
+                                        <p:cTn id="16" dur="500"/>
                                         <p:tgtEl>
                                           <p:spTgt spid="15">
                                             <p:txEl>
@@ -37951,485 +37910,6 @@
     <p:extLst>
       <p:ext uri="{BB962C8B-B14F-4D97-AF65-F5344CB8AC3E}">
         <p14:creationId xmlns:p14="http://schemas.microsoft.com/office/powerpoint/2010/main" val="3006475791"/>
-      </p:ext>
-    </p:extLst>
-  </p:cSld>
-  <p:clrMapOvr>
-    <a:masterClrMapping/>
-  </p:clrMapOvr>
-  <p:timing>
-    <p:tnLst>
-      <p:par>
-        <p:cTn id="1" dur="indefinite" restart="never" nodeType="tmRoot">
-          <p:childTnLst>
-            <p:seq concurrent="1" nextAc="seek">
-              <p:cTn id="2" dur="indefinite" nodeType="mainSeq">
-                <p:childTnLst>
-                  <p:par>
-                    <p:cTn id="3" fill="hold">
-                      <p:stCondLst>
-                        <p:cond delay="indefinite"/>
-                        <p:cond evt="onBegin" delay="0">
-                          <p:tn val="2"/>
-                        </p:cond>
-                      </p:stCondLst>
-                      <p:childTnLst>
-                        <p:par>
-                          <p:cTn id="4" fill="hold">
-                            <p:stCondLst>
-                              <p:cond delay="0"/>
-                            </p:stCondLst>
-                            <p:childTnLst>
-                              <p:par>
-                                <p:cTn id="5" presetID="10" presetClass="entr" presetSubtype="0" fill="hold" nodeType="withEffect">
-                                  <p:stCondLst>
-                                    <p:cond delay="0"/>
-                                  </p:stCondLst>
-                                  <p:childTnLst>
-                                    <p:set>
-                                      <p:cBhvr>
-                                        <p:cTn id="6" dur="1" fill="hold">
-                                          <p:stCondLst>
-                                            <p:cond delay="0"/>
-                                          </p:stCondLst>
-                                        </p:cTn>
-                                        <p:tgtEl>
-                                          <p:spTgt spid="10">
-                                            <p:txEl>
-                                              <p:pRg st="0" end="0"/>
-                                            </p:txEl>
-                                          </p:spTgt>
-                                        </p:tgtEl>
-                                        <p:attrNameLst>
-                                          <p:attrName>style.visibility</p:attrName>
-                                        </p:attrNameLst>
-                                      </p:cBhvr>
-                                      <p:to>
-                                        <p:strVal val="visible"/>
-                                      </p:to>
-                                    </p:set>
-                                    <p:animEffect transition="in" filter="fade">
-                                      <p:cBhvr>
-                                        <p:cTn id="7" dur="500"/>
-                                        <p:tgtEl>
-                                          <p:spTgt spid="10">
-                                            <p:txEl>
-                                              <p:pRg st="0" end="0"/>
-                                            </p:txEl>
-                                          </p:spTgt>
-                                        </p:tgtEl>
-                                      </p:cBhvr>
-                                    </p:animEffect>
-                                  </p:childTnLst>
-                                </p:cTn>
-                              </p:par>
-                            </p:childTnLst>
-                          </p:cTn>
-                        </p:par>
-                      </p:childTnLst>
-                    </p:cTn>
-                  </p:par>
-                  <p:par>
-                    <p:cTn id="8" fill="hold">
-                      <p:stCondLst>
-                        <p:cond delay="indefinite"/>
-                      </p:stCondLst>
-                      <p:childTnLst>
-                        <p:par>
-                          <p:cTn id="9" fill="hold">
-                            <p:stCondLst>
-                              <p:cond delay="0"/>
-                            </p:stCondLst>
-                            <p:childTnLst>
-                              <p:par>
-                                <p:cTn id="10" presetID="10" presetClass="entr" presetSubtype="0" fill="hold" nodeType="clickEffect">
-                                  <p:stCondLst>
-                                    <p:cond delay="0"/>
-                                  </p:stCondLst>
-                                  <p:childTnLst>
-                                    <p:set>
-                                      <p:cBhvr>
-                                        <p:cTn id="11" dur="1" fill="hold">
-                                          <p:stCondLst>
-                                            <p:cond delay="0"/>
-                                          </p:stCondLst>
-                                        </p:cTn>
-                                        <p:tgtEl>
-                                          <p:spTgt spid="10">
-                                            <p:txEl>
-                                              <p:pRg st="2" end="2"/>
-                                            </p:txEl>
-                                          </p:spTgt>
-                                        </p:tgtEl>
-                                        <p:attrNameLst>
-                                          <p:attrName>style.visibility</p:attrName>
-                                        </p:attrNameLst>
-                                      </p:cBhvr>
-                                      <p:to>
-                                        <p:strVal val="visible"/>
-                                      </p:to>
-                                    </p:set>
-                                    <p:animEffect transition="in" filter="fade">
-                                      <p:cBhvr>
-                                        <p:cTn id="12" dur="500"/>
-                                        <p:tgtEl>
-                                          <p:spTgt spid="10">
-                                            <p:txEl>
-                                              <p:pRg st="2" end="2"/>
-                                            </p:txEl>
-                                          </p:spTgt>
-                                        </p:tgtEl>
-                                      </p:cBhvr>
-                                    </p:animEffect>
-                                  </p:childTnLst>
-                                </p:cTn>
-                              </p:par>
-                            </p:childTnLst>
-                          </p:cTn>
-                        </p:par>
-                      </p:childTnLst>
-                    </p:cTn>
-                  </p:par>
-                  <p:par>
-                    <p:cTn id="13" fill="hold">
-                      <p:stCondLst>
-                        <p:cond delay="indefinite"/>
-                      </p:stCondLst>
-                      <p:childTnLst>
-                        <p:par>
-                          <p:cTn id="14" fill="hold">
-                            <p:stCondLst>
-                              <p:cond delay="0"/>
-                            </p:stCondLst>
-                            <p:childTnLst>
-                              <p:par>
-                                <p:cTn id="15" presetID="10" presetClass="entr" presetSubtype="0" fill="hold" nodeType="clickEffect">
-                                  <p:stCondLst>
-                                    <p:cond delay="0"/>
-                                  </p:stCondLst>
-                                  <p:childTnLst>
-                                    <p:set>
-                                      <p:cBhvr>
-                                        <p:cTn id="16" dur="1" fill="hold">
-                                          <p:stCondLst>
-                                            <p:cond delay="0"/>
-                                          </p:stCondLst>
-                                        </p:cTn>
-                                        <p:tgtEl>
-                                          <p:spTgt spid="10">
-                                            <p:txEl>
-                                              <p:pRg st="4" end="4"/>
-                                            </p:txEl>
-                                          </p:spTgt>
-                                        </p:tgtEl>
-                                        <p:attrNameLst>
-                                          <p:attrName>style.visibility</p:attrName>
-                                        </p:attrNameLst>
-                                      </p:cBhvr>
-                                      <p:to>
-                                        <p:strVal val="visible"/>
-                                      </p:to>
-                                    </p:set>
-                                    <p:animEffect transition="in" filter="fade">
-                                      <p:cBhvr>
-                                        <p:cTn id="17" dur="500"/>
-                                        <p:tgtEl>
-                                          <p:spTgt spid="10">
-                                            <p:txEl>
-                                              <p:pRg st="4" end="4"/>
-                                            </p:txEl>
-                                          </p:spTgt>
-                                        </p:tgtEl>
-                                      </p:cBhvr>
-                                    </p:animEffect>
-                                  </p:childTnLst>
-                                </p:cTn>
-                              </p:par>
-                            </p:childTnLst>
-                          </p:cTn>
-                        </p:par>
-                      </p:childTnLst>
-                    </p:cTn>
-                  </p:par>
-                  <p:par>
-                    <p:cTn id="18" fill="hold">
-                      <p:stCondLst>
-                        <p:cond delay="indefinite"/>
-                      </p:stCondLst>
-                      <p:childTnLst>
-                        <p:par>
-                          <p:cTn id="19" fill="hold">
-                            <p:stCondLst>
-                              <p:cond delay="0"/>
-                            </p:stCondLst>
-                            <p:childTnLst>
-                              <p:par>
-                                <p:cTn id="20" presetID="10" presetClass="entr" presetSubtype="0" fill="hold" nodeType="clickEffect">
-                                  <p:stCondLst>
-                                    <p:cond delay="0"/>
-                                  </p:stCondLst>
-                                  <p:childTnLst>
-                                    <p:set>
-                                      <p:cBhvr>
-                                        <p:cTn id="21" dur="1" fill="hold">
-                                          <p:stCondLst>
-                                            <p:cond delay="0"/>
-                                          </p:stCondLst>
-                                        </p:cTn>
-                                        <p:tgtEl>
-                                          <p:spTgt spid="10">
-                                            <p:txEl>
-                                              <p:pRg st="6" end="6"/>
-                                            </p:txEl>
-                                          </p:spTgt>
-                                        </p:tgtEl>
-                                        <p:attrNameLst>
-                                          <p:attrName>style.visibility</p:attrName>
-                                        </p:attrNameLst>
-                                      </p:cBhvr>
-                                      <p:to>
-                                        <p:strVal val="visible"/>
-                                      </p:to>
-                                    </p:set>
-                                    <p:animEffect transition="in" filter="fade">
-                                      <p:cBhvr>
-                                        <p:cTn id="22" dur="500"/>
-                                        <p:tgtEl>
-                                          <p:spTgt spid="10">
-                                            <p:txEl>
-                                              <p:pRg st="6" end="6"/>
-                                            </p:txEl>
-                                          </p:spTgt>
-                                        </p:tgtEl>
-                                      </p:cBhvr>
-                                    </p:animEffect>
-                                  </p:childTnLst>
-                                </p:cTn>
-                              </p:par>
-                            </p:childTnLst>
-                          </p:cTn>
-                        </p:par>
-                      </p:childTnLst>
-                    </p:cTn>
-                  </p:par>
-                </p:childTnLst>
-              </p:cTn>
-              <p:prevCondLst>
-                <p:cond evt="onPrev" delay="0">
-                  <p:tgtEl>
-                    <p:sldTgt/>
-                  </p:tgtEl>
-                </p:cond>
-              </p:prevCondLst>
-              <p:nextCondLst>
-                <p:cond evt="onNext" delay="0">
-                  <p:tgtEl>
-                    <p:sldTgt/>
-                  </p:tgtEl>
-                </p:cond>
-              </p:nextCondLst>
-            </p:seq>
-          </p:childTnLst>
-        </p:cTn>
-      </p:par>
-    </p:tnLst>
-  </p:timing>
-</p:sld>
-</file>
-
-<file path=ppt/slides/slide64.xml><?xml version="1.0" encoding="utf-8"?>
-<p:sld xmlns:a="http://schemas.openxmlformats.org/drawingml/2006/main" xmlns:r="http://schemas.openxmlformats.org/officeDocument/2006/relationships" xmlns:p="http://schemas.openxmlformats.org/presentationml/2006/main">
-  <p:cSld>
-    <p:spTree>
-      <p:nvGrpSpPr>
-        <p:cNvPr id="1" name=""/>
-        <p:cNvGrpSpPr/>
-        <p:nvPr/>
-      </p:nvGrpSpPr>
-      <p:grpSpPr>
-        <a:xfrm>
-          <a:off x="0" y="0"/>
-          <a:ext cx="0" cy="0"/>
-          <a:chOff x="0" y="0"/>
-          <a:chExt cx="0" cy="0"/>
-        </a:xfrm>
-      </p:grpSpPr>
-      <p:sp>
-        <p:nvSpPr>
-          <p:cNvPr id="2" name="Title 1">
-            <a:extLst>
-              <a:ext uri="{FF2B5EF4-FFF2-40B4-BE49-F238E27FC236}">
-                <a16:creationId xmlns:a16="http://schemas.microsoft.com/office/drawing/2014/main" id="{D4DAA981-4813-80DE-CAF0-EFAF9F5C5C92}"/>
-              </a:ext>
-            </a:extLst>
-          </p:cNvPr>
-          <p:cNvSpPr>
-            <a:spLocks noGrp="1"/>
-          </p:cNvSpPr>
-          <p:nvPr>
-            <p:ph type="title"/>
-          </p:nvPr>
-        </p:nvSpPr>
-        <p:spPr/>
-        <p:txBody>
-          <a:bodyPr/>
-          <a:lstStyle/>
-          <a:p>
-            <a:r>
-              <a:rPr lang="en-US" dirty="0"/>
-              <a:t>The Short, Medium, and Long Run</a:t>
-            </a:r>
-          </a:p>
-        </p:txBody>
-      </p:sp>
-      <p:sp>
-        <p:nvSpPr>
-          <p:cNvPr id="4" name="Date Placeholder 3">
-            <a:extLst>
-              <a:ext uri="{FF2B5EF4-FFF2-40B4-BE49-F238E27FC236}">
-                <a16:creationId xmlns:a16="http://schemas.microsoft.com/office/drawing/2014/main" id="{14DD2227-C47A-41BD-13E0-BF7152AFC4A9}"/>
-              </a:ext>
-            </a:extLst>
-          </p:cNvPr>
-          <p:cNvSpPr>
-            <a:spLocks noGrp="1"/>
-          </p:cNvSpPr>
-          <p:nvPr>
-            <p:ph type="dt" sz="half" idx="10"/>
-          </p:nvPr>
-        </p:nvSpPr>
-        <p:spPr/>
-        <p:txBody>
-          <a:bodyPr/>
-          <a:lstStyle/>
-          <a:p>
-            <a:r>
-              <a:rPr lang="en-US"/>
-              <a:t>Spring 2024</a:t>
-            </a:r>
-            <a:endParaRPr lang="en-US" dirty="0"/>
-          </a:p>
-        </p:txBody>
-      </p:sp>
-      <p:sp>
-        <p:nvSpPr>
-          <p:cNvPr id="5" name="Footer Placeholder 4">
-            <a:extLst>
-              <a:ext uri="{FF2B5EF4-FFF2-40B4-BE49-F238E27FC236}">
-                <a16:creationId xmlns:a16="http://schemas.microsoft.com/office/drawing/2014/main" id="{AF03AE91-0272-E2D2-F1E9-8B6F57FA0AE7}"/>
-              </a:ext>
-            </a:extLst>
-          </p:cNvPr>
-          <p:cNvSpPr>
-            <a:spLocks noGrp="1"/>
-          </p:cNvSpPr>
-          <p:nvPr>
-            <p:ph type="ftr" sz="quarter" idx="11"/>
-          </p:nvPr>
-        </p:nvSpPr>
-        <p:spPr/>
-        <p:txBody>
-          <a:bodyPr/>
-          <a:lstStyle/>
-          <a:p>
-            <a:r>
-              <a:rPr lang="en-US" dirty="0"/>
-              <a:t>DEPARTMENT OF BUSINESS &amp; ECONOMICS</a:t>
-            </a:r>
-          </a:p>
-        </p:txBody>
-      </p:sp>
-      <p:sp>
-        <p:nvSpPr>
-          <p:cNvPr id="6" name="Slide Number Placeholder 5">
-            <a:extLst>
-              <a:ext uri="{FF2B5EF4-FFF2-40B4-BE49-F238E27FC236}">
-                <a16:creationId xmlns:a16="http://schemas.microsoft.com/office/drawing/2014/main" id="{8C0E9D82-AA6F-8057-ACC1-9DB8F37866C6}"/>
-              </a:ext>
-            </a:extLst>
-          </p:cNvPr>
-          <p:cNvSpPr>
-            <a:spLocks noGrp="1"/>
-          </p:cNvSpPr>
-          <p:nvPr>
-            <p:ph type="sldNum" sz="quarter" idx="12"/>
-          </p:nvPr>
-        </p:nvSpPr>
-        <p:spPr/>
-        <p:txBody>
-          <a:bodyPr/>
-          <a:lstStyle/>
-          <a:p>
-            <a:fld id="{1A980C56-831A-4EAB-9EDE-57C090F4F877}" type="slidenum">
-              <a:rPr lang="en-US" smtClean="0"/>
-              <a:t>64</a:t>
-            </a:fld>
-            <a:endParaRPr lang="en-US" dirty="0"/>
-          </a:p>
-        </p:txBody>
-      </p:sp>
-      <p:sp>
-        <p:nvSpPr>
-          <p:cNvPr id="10" name="Content Placeholder 9">
-            <a:extLst>
-              <a:ext uri="{FF2B5EF4-FFF2-40B4-BE49-F238E27FC236}">
-                <a16:creationId xmlns:a16="http://schemas.microsoft.com/office/drawing/2014/main" id="{70D56D00-5BF9-C053-76A5-EF0D41BB3A25}"/>
-              </a:ext>
-            </a:extLst>
-          </p:cNvPr>
-          <p:cNvSpPr>
-            <a:spLocks noGrp="1"/>
-          </p:cNvSpPr>
-          <p:nvPr>
-            <p:ph idx="1"/>
-          </p:nvPr>
-        </p:nvSpPr>
-        <p:spPr/>
-        <p:txBody>
-          <a:bodyPr/>
-          <a:lstStyle/>
-          <a:p>
-            <a:r>
-              <a:rPr lang="en-US" dirty="0"/>
-              <a:t>We will be examining how the economy evolves over different horizons of time.</a:t>
-            </a:r>
-          </a:p>
-          <a:p>
-            <a:pPr lvl="3"/>
-            <a:endParaRPr lang="en-US" dirty="0"/>
-          </a:p>
-          <a:p>
-            <a:r>
-              <a:rPr lang="en-US" dirty="0"/>
-              <a:t>In the short run, output is largely determined by factors on the demand-side of the economy.</a:t>
-            </a:r>
-          </a:p>
-          <a:p>
-            <a:pPr lvl="3"/>
-            <a:endParaRPr lang="en-US" dirty="0"/>
-          </a:p>
-          <a:p>
-            <a:r>
-              <a:rPr lang="en-US" dirty="0"/>
-              <a:t>In the medium run, output seems to rely heavily on the supply-side factors.</a:t>
-            </a:r>
-          </a:p>
-          <a:p>
-            <a:pPr lvl="3"/>
-            <a:endParaRPr lang="en-US" dirty="0"/>
-          </a:p>
-          <a:p>
-            <a:r>
-              <a:rPr lang="en-US" dirty="0"/>
-              <a:t>In the long run, output is driven by R&amp;D, innovations, education, and the strength of institutions.</a:t>
-            </a:r>
-          </a:p>
-        </p:txBody>
-      </p:sp>
-    </p:spTree>
-    <p:extLst>
-      <p:ext uri="{BB962C8B-B14F-4D97-AF65-F5344CB8AC3E}">
-        <p14:creationId xmlns:p14="http://schemas.microsoft.com/office/powerpoint/2010/main" val="1682478278"/>
       </p:ext>
     </p:extLst>
   </p:cSld>
